--- a/산출문서/2-3. 화면설계서.pptx
+++ b/산출문서/2-3. 화면설계서.pptx
@@ -9518,10 +9518,10 @@
       </p:grpSp>
       <p:pic>
         <p:nvPicPr>
-          <p:cNvPr id="3" name="그림 2" descr="텍스트, 스크린샷이(가) 표시된 사진&#10;&#10;자동 생성된 설명">
+          <p:cNvPr id="8" name="그림 7">
             <a:extLst>
               <a:ext uri="{FF2B5EF4-FFF2-40B4-BE49-F238E27FC236}">
-                <a16:creationId xmlns:a16="http://schemas.microsoft.com/office/drawing/2014/main" id="{24A0AE69-EFA7-7815-8602-A720D780B5F4}"/>
+                <a16:creationId xmlns:a16="http://schemas.microsoft.com/office/drawing/2014/main" id="{19D53967-3026-B071-C5C0-AF866DF87E1A}"/>
               </a:ext>
             </a:extLst>
           </p:cNvPr>
@@ -9531,21 +9531,15 @@
           <p:nvPr/>
         </p:nvPicPr>
         <p:blipFill>
-          <a:blip r:embed="rId2">
-            <a:extLst>
-              <a:ext uri="{28A0092B-C50C-407E-A947-70E740481C1C}">
-                <a14:useLocalDpi xmlns:a14="http://schemas.microsoft.com/office/drawing/2010/main" val="0"/>
-              </a:ext>
-            </a:extLst>
-          </a:blip>
+          <a:blip r:embed="rId2"/>
           <a:stretch>
             <a:fillRect/>
           </a:stretch>
         </p:blipFill>
         <p:spPr>
           <a:xfrm>
-            <a:off x="3149164" y="269845"/>
-            <a:ext cx="6480000" cy="3692610"/>
+            <a:off x="3212367" y="326836"/>
+            <a:ext cx="6416797" cy="3646558"/>
           </a:xfrm>
           <a:prstGeom prst="rect">
             <a:avLst/>
